--- a/mutation framework.pptx
+++ b/mutation framework.pptx
@@ -3364,7 +3364,11 @@
           <a:bodyPr/>
           <a:lstStyle/>
           <a:p>
-            <a:endParaRPr lang="en-SG"/>
+            <a:r>
+              <a:rPr lang="en-US" altLang="zh-CN" dirty="0"/>
+              <a:t>Mutation Framework</a:t>
+            </a:r>
+            <a:endParaRPr lang="en-SG" dirty="0"/>
           </a:p>
         </p:txBody>
       </p:sp>
@@ -3423,42 +3427,6 @@
           <a:chExt cx="0" cy="0"/>
         </a:xfrm>
       </p:grpSpPr>
-      <p:sp>
-        <p:nvSpPr>
-          <p:cNvPr id="2" name="Title 1">
-            <a:extLst>
-              <a:ext uri="{FF2B5EF4-FFF2-40B4-BE49-F238E27FC236}">
-                <a16:creationId xmlns:a16="http://schemas.microsoft.com/office/drawing/2014/main" id="{BC490078-7482-B65C-1749-DA820E1DA16A}"/>
-              </a:ext>
-            </a:extLst>
-          </p:cNvPr>
-          <p:cNvSpPr>
-            <a:spLocks noGrp="1"/>
-          </p:cNvSpPr>
-          <p:nvPr>
-            <p:ph type="title"/>
-          </p:nvPr>
-        </p:nvSpPr>
-        <p:spPr>
-          <a:xfrm>
-            <a:off x="838200" y="365125"/>
-            <a:ext cx="10515600" cy="644691"/>
-          </a:xfrm>
-        </p:spPr>
-        <p:txBody>
-          <a:bodyPr>
-            <a:normAutofit fontScale="90000"/>
-          </a:bodyPr>
-          <a:lstStyle/>
-          <a:p>
-            <a:r>
-              <a:rPr lang="en-US" altLang="zh-CN" dirty="0"/>
-              <a:t>Mutation Framework</a:t>
-            </a:r>
-            <a:endParaRPr lang="en-SG" dirty="0"/>
-          </a:p>
-        </p:txBody>
-      </p:sp>
       <p:sp>
         <p:nvSpPr>
           <p:cNvPr id="4" name="Rectangle 3">
